--- a/PPT/progress.pptx
+++ b/PPT/progress.pptx
@@ -240,7 +240,7 @@
             <a:fld id="{F580C841-A34D-0F44-B99C-434D0D484263}" type="datetimeFigureOut">
               <a:rPr lang="en-US" smtClean="0"/>
               <a:pPr/>
-              <a:t>4/3/15</a:t>
+              <a:t>6/2/15</a:t>
             </a:fld>
             <a:endParaRPr lang="en-US"/>
           </a:p>
@@ -408,7 +408,7 @@
             <a:fld id="{D55F55D3-CD27-9042-95C4-4762BDC1F504}" type="datetimeFigureOut">
               <a:rPr lang="en-US" smtClean="0"/>
               <a:pPr/>
-              <a:t>4/3/15</a:t>
+              <a:t>6/2/15</a:t>
             </a:fld>
             <a:endParaRPr lang="en-US"/>
           </a:p>
@@ -1511,7 +1511,7 @@
           <a:p>
             <a:fld id="{6BFECD78-3C8E-49F2-8FAB-59489D168ABB}" type="datetimeFigureOut">
               <a:rPr lang="en-US" smtClean="0"/>
-              <a:t>4/3/15</a:t>
+              <a:t>6/2/15</a:t>
             </a:fld>
             <a:endParaRPr lang="en-US"/>
           </a:p>
